--- a/report/JFK RAG.pptx
+++ b/report/JFK RAG.pptx
@@ -8234,7 +8234,7 @@
             </a:pPr>
             <a:r>
               <a:rPr lang="en"/>
-              <a:t>BERT-based autocorrect with a reference Wikipedia dataset</a:t>
+              <a:t>BERT-based autocorrect</a:t>
             </a:r>
             <a:endParaRPr/>
           </a:p>
